--- a/004_Node/lesson_34/Presentation/socket.io.pptx
+++ b/004_Node/lesson_34/Presentation/socket.io.pptx
@@ -197,7 +197,7 @@
             <a:fld id="{7C8C4BEB-D132-4A19-A96A-DED07A2A20C8}" type="datetimeFigureOut">
               <a:rPr lang="uk-UA" smtClean="0"/>
               <a:pPr/>
-              <a:t>18.08.2016</a:t>
+              <a:t>18.09.2016</a:t>
             </a:fld>
             <a:endParaRPr lang="uk-UA"/>
           </a:p>
@@ -970,7 +970,7 @@
     </p:spTree>
     <p:extLst>
       <p:ext uri="{BB962C8B-B14F-4D97-AF65-F5344CB8AC3E}">
-        <p14:creationId xmlns:p14="http://schemas.microsoft.com/office/powerpoint/2010/main" xmlns="" val="3537187278"/>
+        <p14:creationId xmlns="" xmlns:p14="http://schemas.microsoft.com/office/powerpoint/2010/main" val="3537187278"/>
       </p:ext>
     </p:extLst>
   </p:cSld>
@@ -1016,7 +1016,7 @@
           <a:blip r:embed="rId2" cstate="print">
             <a:extLst>
               <a:ext uri="{28A0092B-C50C-407E-A947-70E740481C1C}">
-                <a14:useLocalDpi xmlns:a14="http://schemas.microsoft.com/office/drawing/2010/main" xmlns="" val="0"/>
+                <a14:useLocalDpi xmlns="" xmlns:a14="http://schemas.microsoft.com/office/drawing/2010/main" val="0"/>
               </a:ext>
             </a:extLst>
           </a:blip>
@@ -1040,14 +1040,14 @@
           <a:effectLst/>
           <a:extLst>
             <a:ext uri="{909E8E84-426E-40DD-AFC4-6F175D3DCCD1}">
-              <a14:hiddenFill xmlns:a14="http://schemas.microsoft.com/office/drawing/2010/main" xmlns="">
+              <a14:hiddenFill xmlns="" xmlns:a14="http://schemas.microsoft.com/office/drawing/2010/main">
                 <a:solidFill>
                   <a:schemeClr val="accent1"/>
                 </a:solidFill>
               </a14:hiddenFill>
             </a:ext>
             <a:ext uri="{91240B29-F687-4F45-9708-019B960494DF}">
-              <a14:hiddenLine xmlns:a14="http://schemas.microsoft.com/office/drawing/2010/main" xmlns="" w="9525">
+              <a14:hiddenLine xmlns="" xmlns:a14="http://schemas.microsoft.com/office/drawing/2010/main" w="9525">
                 <a:solidFill>
                   <a:schemeClr val="tx1"/>
                 </a:solidFill>
@@ -1057,7 +1057,7 @@
               </a14:hiddenLine>
             </a:ext>
             <a:ext uri="{AF507438-7753-43E0-B8FC-AC1667EBCBE1}">
-              <a14:hiddenEffects xmlns:a14="http://schemas.microsoft.com/office/drawing/2010/main" xmlns="">
+              <a14:hiddenEffects xmlns="" xmlns:a14="http://schemas.microsoft.com/office/drawing/2010/main">
                 <a:effectLst>
                   <a:outerShdw dist="35921" dir="2700000" algn="ctr" rotWithShape="0">
                     <a:schemeClr val="bg2"/>
@@ -1198,7 +1198,7 @@
     </p:spTree>
     <p:extLst>
       <p:ext uri="{BB962C8B-B14F-4D97-AF65-F5344CB8AC3E}">
-        <p14:creationId xmlns:p14="http://schemas.microsoft.com/office/powerpoint/2010/main" xmlns="" val="2097366919"/>
+        <p14:creationId xmlns="" xmlns:p14="http://schemas.microsoft.com/office/powerpoint/2010/main" val="2097366919"/>
       </p:ext>
     </p:extLst>
   </p:cSld>
@@ -1722,7 +1722,7 @@
     </p:spTree>
     <p:extLst>
       <p:ext uri="{BB962C8B-B14F-4D97-AF65-F5344CB8AC3E}">
-        <p14:creationId xmlns:p14="http://schemas.microsoft.com/office/powerpoint/2010/main" xmlns="" val="3537187278"/>
+        <p14:creationId xmlns="" xmlns:p14="http://schemas.microsoft.com/office/powerpoint/2010/main" val="3537187278"/>
       </p:ext>
     </p:extLst>
   </p:cSld>
@@ -1768,7 +1768,7 @@
           <a:blip r:embed="rId2" cstate="print">
             <a:extLst>
               <a:ext uri="{28A0092B-C50C-407E-A947-70E740481C1C}">
-                <a14:useLocalDpi xmlns:a14="http://schemas.microsoft.com/office/drawing/2010/main" xmlns="" val="0"/>
+                <a14:useLocalDpi xmlns="" xmlns:a14="http://schemas.microsoft.com/office/drawing/2010/main" val="0"/>
               </a:ext>
             </a:extLst>
           </a:blip>
@@ -1792,14 +1792,14 @@
           <a:effectLst/>
           <a:extLst>
             <a:ext uri="{909E8E84-426E-40DD-AFC4-6F175D3DCCD1}">
-              <a14:hiddenFill xmlns:a14="http://schemas.microsoft.com/office/drawing/2010/main" xmlns="">
+              <a14:hiddenFill xmlns="" xmlns:a14="http://schemas.microsoft.com/office/drawing/2010/main">
                 <a:solidFill>
                   <a:schemeClr val="accent1"/>
                 </a:solidFill>
               </a14:hiddenFill>
             </a:ext>
             <a:ext uri="{91240B29-F687-4F45-9708-019B960494DF}">
-              <a14:hiddenLine xmlns:a14="http://schemas.microsoft.com/office/drawing/2010/main" xmlns="" w="9525">
+              <a14:hiddenLine xmlns="" xmlns:a14="http://schemas.microsoft.com/office/drawing/2010/main" w="9525">
                 <a:solidFill>
                   <a:schemeClr val="tx1"/>
                 </a:solidFill>
@@ -1809,7 +1809,7 @@
               </a14:hiddenLine>
             </a:ext>
             <a:ext uri="{AF507438-7753-43E0-B8FC-AC1667EBCBE1}">
-              <a14:hiddenEffects xmlns:a14="http://schemas.microsoft.com/office/drawing/2010/main" xmlns="">
+              <a14:hiddenEffects xmlns="" xmlns:a14="http://schemas.microsoft.com/office/drawing/2010/main">
                 <a:effectLst>
                   <a:outerShdw dist="35921" dir="2700000" algn="ctr" rotWithShape="0">
                     <a:schemeClr val="bg2"/>
@@ -1950,7 +1950,7 @@
     </p:spTree>
     <p:extLst>
       <p:ext uri="{BB962C8B-B14F-4D97-AF65-F5344CB8AC3E}">
-        <p14:creationId xmlns:p14="http://schemas.microsoft.com/office/powerpoint/2010/main" xmlns="" val="2097366919"/>
+        <p14:creationId xmlns="" xmlns:p14="http://schemas.microsoft.com/office/powerpoint/2010/main" val="2097366919"/>
       </p:ext>
     </p:extLst>
   </p:cSld>
@@ -2025,7 +2025,7 @@
     </p:spTree>
     <p:extLst>
       <p:ext uri="{BB962C8B-B14F-4D97-AF65-F5344CB8AC3E}">
-        <p14:creationId xmlns:p14="http://schemas.microsoft.com/office/powerpoint/2010/main" xmlns="" val="779007194"/>
+        <p14:creationId xmlns="" xmlns:p14="http://schemas.microsoft.com/office/powerpoint/2010/main" val="779007194"/>
       </p:ext>
     </p:extLst>
   </p:cSld>
@@ -2407,7 +2407,44 @@
       </p:sp>
       <p:sp>
         <p:nvSpPr>
-          <p:cNvPr id="6" name="Subtitle 2"/>
+          <p:cNvPr id="5" name="TextBox 4"/>
+          <p:cNvSpPr txBox="1"/>
+          <p:nvPr/>
+        </p:nvSpPr>
+        <p:spPr>
+          <a:xfrm>
+            <a:off x="976313" y="4217802"/>
+            <a:ext cx="6214744" cy="769441"/>
+          </a:xfrm>
+          <a:prstGeom prst="rect">
+            <a:avLst/>
+          </a:prstGeom>
+          <a:noFill/>
+        </p:spPr>
+        <p:txBody>
+          <a:bodyPr wrap="square" rtlCol="0">
+            <a:spAutoFit/>
+          </a:bodyPr>
+          <a:lstStyle/>
+          <a:p>
+            <a:r>
+              <a:rPr lang="en-US" sz="4400" dirty="0" smtClean="0">
+                <a:solidFill>
+                  <a:srgbClr val="7564BC"/>
+                </a:solidFill>
+                <a:latin typeface="Calibri" pitchFamily="34" charset="0"/>
+              </a:rPr>
+              <a:t>Socket.IO</a:t>
+            </a:r>
+            <a:endParaRPr lang="en-US" dirty="0">
+              <a:latin typeface="Calibri" pitchFamily="34" charset="0"/>
+            </a:endParaRPr>
+          </a:p>
+        </p:txBody>
+      </p:sp>
+      <p:sp>
+        <p:nvSpPr>
+          <p:cNvPr id="8" name="Subtitle 2"/>
           <p:cNvSpPr txBox="1">
             <a:spLocks/>
           </p:cNvSpPr>
@@ -2415,8 +2452,8 @@
         </p:nvSpPr>
         <p:spPr>
           <a:xfrm>
-            <a:off x="806449" y="1281006"/>
-            <a:ext cx="6322695" cy="507831"/>
+            <a:off x="1979712" y="2132856"/>
+            <a:ext cx="6322695" cy="584775"/>
           </a:xfrm>
           <a:prstGeom prst="rect">
             <a:avLst/>
@@ -2427,153 +2464,93 @@
             <a:spAutoFit/>
           </a:bodyPr>
           <a:lstStyle>
-            <a:lvl1pPr marL="0" indent="0" algn="l" defTabSz="914400" rtl="0" eaLnBrk="1" latinLnBrk="0" hangingPunct="1">
-              <a:spcBef>
-                <a:spcPct val="20000"/>
-              </a:spcBef>
-              <a:buFont typeface="Arial" pitchFamily="34" charset="0"/>
-              <a:buNone/>
-              <a:defRPr sz="3200" kern="1200">
+            <a:defPPr>
+              <a:defRPr lang="uk-UA"/>
+            </a:defPPr>
+            <a:lvl1pPr marL="0" algn="l" defTabSz="914400" rtl="0" eaLnBrk="1" latinLnBrk="0" hangingPunct="1">
+              <a:defRPr sz="1800" kern="1200">
                 <a:solidFill>
-                  <a:schemeClr val="tx1">
-                    <a:tint val="75000"/>
-                  </a:schemeClr>
+                  <a:schemeClr val="tx1"/>
                 </a:solidFill>
-                <a:latin typeface="+mj-lt"/>
+                <a:latin typeface="+mn-lt"/>
                 <a:ea typeface="+mn-ea"/>
                 <a:cs typeface="+mn-cs"/>
               </a:defRPr>
             </a:lvl1pPr>
-            <a:lvl2pPr marL="457200" indent="0" algn="ctr" defTabSz="914400" rtl="0" eaLnBrk="1" latinLnBrk="0" hangingPunct="1">
-              <a:spcBef>
-                <a:spcPct val="20000"/>
-              </a:spcBef>
-              <a:buFont typeface="Arial" pitchFamily="34" charset="0"/>
-              <a:buNone/>
-              <a:defRPr sz="2800" kern="1200">
+            <a:lvl2pPr marL="457200" algn="l" defTabSz="914400" rtl="0" eaLnBrk="1" latinLnBrk="0" hangingPunct="1">
+              <a:defRPr sz="1800" kern="1200">
                 <a:solidFill>
-                  <a:schemeClr val="tx1">
-                    <a:tint val="75000"/>
-                  </a:schemeClr>
+                  <a:schemeClr val="tx1"/>
                 </a:solidFill>
                 <a:latin typeface="+mn-lt"/>
                 <a:ea typeface="+mn-ea"/>
                 <a:cs typeface="+mn-cs"/>
               </a:defRPr>
             </a:lvl2pPr>
-            <a:lvl3pPr marL="914400" indent="0" algn="ctr" defTabSz="914400" rtl="0" eaLnBrk="1" latinLnBrk="0" hangingPunct="1">
-              <a:spcBef>
-                <a:spcPct val="20000"/>
-              </a:spcBef>
-              <a:buFont typeface="Arial" pitchFamily="34" charset="0"/>
-              <a:buNone/>
-              <a:defRPr sz="2400" kern="1200">
+            <a:lvl3pPr marL="914400" algn="l" defTabSz="914400" rtl="0" eaLnBrk="1" latinLnBrk="0" hangingPunct="1">
+              <a:defRPr sz="1800" kern="1200">
                 <a:solidFill>
-                  <a:schemeClr val="tx1">
-                    <a:tint val="75000"/>
-                  </a:schemeClr>
+                  <a:schemeClr val="tx1"/>
                 </a:solidFill>
                 <a:latin typeface="+mn-lt"/>
                 <a:ea typeface="+mn-ea"/>
                 <a:cs typeface="+mn-cs"/>
               </a:defRPr>
             </a:lvl3pPr>
-            <a:lvl4pPr marL="1371600" indent="0" algn="ctr" defTabSz="914400" rtl="0" eaLnBrk="1" latinLnBrk="0" hangingPunct="1">
-              <a:spcBef>
-                <a:spcPct val="20000"/>
-              </a:spcBef>
-              <a:buFont typeface="Arial" pitchFamily="34" charset="0"/>
-              <a:buNone/>
-              <a:defRPr sz="2000" kern="1200">
+            <a:lvl4pPr marL="1371600" algn="l" defTabSz="914400" rtl="0" eaLnBrk="1" latinLnBrk="0" hangingPunct="1">
+              <a:defRPr sz="1800" kern="1200">
                 <a:solidFill>
-                  <a:schemeClr val="tx1">
-                    <a:tint val="75000"/>
-                  </a:schemeClr>
+                  <a:schemeClr val="tx1"/>
                 </a:solidFill>
                 <a:latin typeface="+mn-lt"/>
                 <a:ea typeface="+mn-ea"/>
                 <a:cs typeface="+mn-cs"/>
               </a:defRPr>
             </a:lvl4pPr>
-            <a:lvl5pPr marL="1828800" indent="0" algn="ctr" defTabSz="914400" rtl="0" eaLnBrk="1" latinLnBrk="0" hangingPunct="1">
-              <a:spcBef>
-                <a:spcPct val="20000"/>
-              </a:spcBef>
-              <a:buFont typeface="Arial" pitchFamily="34" charset="0"/>
-              <a:buNone/>
-              <a:defRPr sz="2000" kern="1200">
+            <a:lvl5pPr marL="1828800" algn="l" defTabSz="914400" rtl="0" eaLnBrk="1" latinLnBrk="0" hangingPunct="1">
+              <a:defRPr sz="1800" kern="1200">
                 <a:solidFill>
-                  <a:schemeClr val="tx1">
-                    <a:tint val="75000"/>
-                  </a:schemeClr>
+                  <a:schemeClr val="tx1"/>
                 </a:solidFill>
                 <a:latin typeface="+mn-lt"/>
                 <a:ea typeface="+mn-ea"/>
                 <a:cs typeface="+mn-cs"/>
               </a:defRPr>
             </a:lvl5pPr>
-            <a:lvl6pPr marL="2286000" indent="0" algn="ctr" defTabSz="914400" rtl="0" eaLnBrk="1" latinLnBrk="0" hangingPunct="1">
-              <a:spcBef>
-                <a:spcPct val="20000"/>
-              </a:spcBef>
-              <a:buFont typeface="Arial" pitchFamily="34" charset="0"/>
-              <a:buNone/>
-              <a:defRPr sz="2000" kern="1200">
+            <a:lvl6pPr marL="2286000" algn="l" defTabSz="914400" rtl="0" eaLnBrk="1" latinLnBrk="0" hangingPunct="1">
+              <a:defRPr sz="1800" kern="1200">
                 <a:solidFill>
-                  <a:schemeClr val="tx1">
-                    <a:tint val="75000"/>
-                  </a:schemeClr>
+                  <a:schemeClr val="tx1"/>
                 </a:solidFill>
                 <a:latin typeface="+mn-lt"/>
                 <a:ea typeface="+mn-ea"/>
                 <a:cs typeface="+mn-cs"/>
               </a:defRPr>
             </a:lvl6pPr>
-            <a:lvl7pPr marL="2743200" indent="0" algn="ctr" defTabSz="914400" rtl="0" eaLnBrk="1" latinLnBrk="0" hangingPunct="1">
-              <a:spcBef>
-                <a:spcPct val="20000"/>
-              </a:spcBef>
-              <a:buFont typeface="Arial" pitchFamily="34" charset="0"/>
-              <a:buNone/>
-              <a:defRPr sz="2000" kern="1200">
+            <a:lvl7pPr marL="2743200" algn="l" defTabSz="914400" rtl="0" eaLnBrk="1" latinLnBrk="0" hangingPunct="1">
+              <a:defRPr sz="1800" kern="1200">
                 <a:solidFill>
-                  <a:schemeClr val="tx1">
-                    <a:tint val="75000"/>
-                  </a:schemeClr>
+                  <a:schemeClr val="tx1"/>
                 </a:solidFill>
                 <a:latin typeface="+mn-lt"/>
                 <a:ea typeface="+mn-ea"/>
                 <a:cs typeface="+mn-cs"/>
               </a:defRPr>
             </a:lvl7pPr>
-            <a:lvl8pPr marL="3200400" indent="0" algn="ctr" defTabSz="914400" rtl="0" eaLnBrk="1" latinLnBrk="0" hangingPunct="1">
-              <a:spcBef>
-                <a:spcPct val="20000"/>
-              </a:spcBef>
-              <a:buFont typeface="Arial" pitchFamily="34" charset="0"/>
-              <a:buNone/>
-              <a:defRPr sz="2000" kern="1200">
+            <a:lvl8pPr marL="3200400" algn="l" defTabSz="914400" rtl="0" eaLnBrk="1" latinLnBrk="0" hangingPunct="1">
+              <a:defRPr sz="1800" kern="1200">
                 <a:solidFill>
-                  <a:schemeClr val="tx1">
-                    <a:tint val="75000"/>
-                  </a:schemeClr>
+                  <a:schemeClr val="tx1"/>
                 </a:solidFill>
                 <a:latin typeface="+mn-lt"/>
                 <a:ea typeface="+mn-ea"/>
                 <a:cs typeface="+mn-cs"/>
               </a:defRPr>
             </a:lvl8pPr>
-            <a:lvl9pPr marL="3657600" indent="0" algn="ctr" defTabSz="914400" rtl="0" eaLnBrk="1" latinLnBrk="0" hangingPunct="1">
-              <a:spcBef>
-                <a:spcPct val="20000"/>
-              </a:spcBef>
-              <a:buFont typeface="Arial" pitchFamily="34" charset="0"/>
-              <a:buNone/>
-              <a:defRPr sz="2000" kern="1200">
+            <a:lvl9pPr marL="3657600" algn="l" defTabSz="914400" rtl="0" eaLnBrk="1" latinLnBrk="0" hangingPunct="1">
+              <a:defRPr sz="1800" kern="1200">
                 <a:solidFill>
-                  <a:schemeClr val="tx1">
-                    <a:tint val="75000"/>
-                  </a:schemeClr>
+                  <a:schemeClr val="tx1"/>
                 </a:solidFill>
                 <a:latin typeface="+mn-lt"/>
                 <a:ea typeface="+mn-ea"/>
@@ -2583,7 +2560,7 @@
           </a:lstStyle>
           <a:p>
             <a:r>
-              <a:rPr lang="en-US" sz="2700" dirty="0" smtClean="0">
+              <a:rPr lang="en-US" sz="3200" b="1" dirty="0" smtClean="0">
                 <a:solidFill>
                   <a:schemeClr val="tx1">
                     <a:lumMod val="90000"/>
@@ -2594,9 +2571,9 @@
                 <a:ea typeface="Roboto Light" panose="02000000000000000000" pitchFamily="2" charset="0"/>
                 <a:cs typeface="Roboto Light" panose="02000000000000000000" pitchFamily="2" charset="0"/>
               </a:rPr>
-              <a:t>The JavaScript Programming Language</a:t>
-            </a:r>
-            <a:endParaRPr lang="en-US" sz="2700" dirty="0">
+              <a:t>Node JS</a:t>
+            </a:r>
+            <a:endParaRPr lang="en-US" sz="3200" b="1" dirty="0">
               <a:solidFill>
                 <a:schemeClr val="tx1">
                   <a:lumMod val="90000"/>
@@ -2612,86 +2589,32 @@
       </p:sp>
       <p:pic>
         <p:nvPicPr>
-          <p:cNvPr id="1028" name="Picture 4" descr="C:\Users\Darick\Desktop\Mmww2.png"/>
+          <p:cNvPr id="9" name="Рисунок 8" descr="nodejs-logo.png"/>
           <p:cNvPicPr>
-            <a:picLocks noChangeAspect="1" noChangeArrowheads="1"/>
+            <a:picLocks noChangeAspect="1"/>
           </p:cNvPicPr>
           <p:nvPr/>
         </p:nvPicPr>
         <p:blipFill>
-          <a:blip r:embed="rId2" cstate="print">
-            <a:extLst>
-              <a:ext uri="{28A0092B-C50C-407E-A947-70E740481C1C}">
-                <a14:useLocalDpi xmlns:a14="http://schemas.microsoft.com/office/drawing/2010/main" xmlns="" val="0"/>
-              </a:ext>
-            </a:extLst>
-          </a:blip>
-          <a:srcRect/>
+          <a:blip r:embed="rId2" cstate="print"/>
           <a:stretch>
             <a:fillRect/>
           </a:stretch>
         </p:blipFill>
-        <p:spPr bwMode="auto">
-          <a:xfrm>
-            <a:off x="1" y="698501"/>
-            <a:ext cx="809625" cy="1079500"/>
+        <p:spPr>
+          <a:xfrm>
+            <a:off x="827584" y="1844824"/>
+            <a:ext cx="1152128" cy="1152128"/>
           </a:xfrm>
           <a:prstGeom prst="rect">
             <a:avLst/>
           </a:prstGeom>
-          <a:noFill/>
-          <a:extLst>
-            <a:ext uri="{909E8E84-426E-40DD-AFC4-6F175D3DCCD1}">
-              <a14:hiddenFill xmlns:a14="http://schemas.microsoft.com/office/drawing/2010/main" xmlns="">
-                <a:solidFill>
-                  <a:srgbClr val="FFFFFF"/>
-                </a:solidFill>
-              </a14:hiddenFill>
-            </a:ext>
-          </a:extLst>
         </p:spPr>
       </p:pic>
-      <p:sp>
-        <p:nvSpPr>
-          <p:cNvPr id="5" name="TextBox 4"/>
-          <p:cNvSpPr txBox="1"/>
-          <p:nvPr/>
-        </p:nvSpPr>
-        <p:spPr>
-          <a:xfrm>
-            <a:off x="976313" y="4217802"/>
-            <a:ext cx="6214744" cy="769441"/>
-          </a:xfrm>
-          <a:prstGeom prst="rect">
-            <a:avLst/>
-          </a:prstGeom>
-          <a:noFill/>
-        </p:spPr>
-        <p:txBody>
-          <a:bodyPr wrap="square" rtlCol="0">
-            <a:spAutoFit/>
-          </a:bodyPr>
-          <a:lstStyle/>
-          <a:p>
-            <a:r>
-              <a:rPr lang="en-US" sz="4400" dirty="0" smtClean="0">
-                <a:solidFill>
-                  <a:srgbClr val="7564BC"/>
-                </a:solidFill>
-                <a:latin typeface="Calibri" pitchFamily="34" charset="0"/>
-              </a:rPr>
-              <a:t>Socket.IO</a:t>
-            </a:r>
-            <a:endParaRPr lang="en-US" dirty="0">
-              <a:latin typeface="Calibri" pitchFamily="34" charset="0"/>
-            </a:endParaRPr>
-          </a:p>
-        </p:txBody>
-      </p:sp>
     </p:spTree>
     <p:extLst>
       <p:ext uri="{BB962C8B-B14F-4D97-AF65-F5344CB8AC3E}">
-        <p14:creationId xmlns:p14="http://schemas.microsoft.com/office/powerpoint/2010/main" xmlns="" val="3436223543"/>
+        <p14:creationId xmlns="" xmlns:p14="http://schemas.microsoft.com/office/powerpoint/2010/main" val="3436223543"/>
       </p:ext>
     </p:extLst>
   </p:cSld>
@@ -2806,31 +2729,19 @@
               <a:rPr lang="ru-RU" sz="1800" dirty="0" smtClean="0">
                 <a:latin typeface="Calibri" pitchFamily="34" charset="0"/>
               </a:rPr>
-              <a:t> и обмена данными в реальном </a:t>
+              <a:t> и обмена данными в реальном времени через </a:t>
+            </a:r>
+            <a:r>
+              <a:rPr lang="en-US" sz="1800" dirty="0" err="1" smtClean="0">
+                <a:latin typeface="Calibri" pitchFamily="34" charset="0"/>
+              </a:rPr>
+              <a:t>WebSockets</a:t>
             </a:r>
             <a:r>
               <a:rPr lang="ru-RU" sz="1800" dirty="0" smtClean="0">
                 <a:latin typeface="Calibri" pitchFamily="34" charset="0"/>
               </a:rPr>
-              <a:t>времени через </a:t>
-            </a:r>
-            <a:r>
-              <a:rPr lang="en-US" sz="1800" dirty="0" err="1" smtClean="0">
-                <a:latin typeface="Calibri" pitchFamily="34" charset="0"/>
-              </a:rPr>
-              <a:t>WebSockets</a:t>
-            </a:r>
-            <a:r>
-              <a:rPr lang="ru-RU" sz="1800" dirty="0" smtClean="0">
-                <a:latin typeface="Calibri" pitchFamily="34" charset="0"/>
-              </a:rPr>
-              <a:t>. </a:t>
-            </a:r>
-            <a:r>
-              <a:rPr lang="ru-RU" sz="1800" dirty="0" smtClean="0">
-                <a:latin typeface="Calibri" pitchFamily="34" charset="0"/>
-              </a:rPr>
-              <a:t>Состоит из двух частей: клиентской, которая запускается в браузере и серверной для </a:t>
+              <a:t>. Состоит из двух частей: клиентской, которая запускается в браузере и серверной для </a:t>
             </a:r>
             <a:r>
               <a:rPr lang="ru-RU" sz="1800" dirty="0" err="1" smtClean="0">
@@ -2887,16 +2798,13 @@
               </a:rPr>
               <a:t>событийно-ориентированная. </a:t>
             </a:r>
+          </a:p>
+          <a:p>
             <a:endParaRPr lang="ru-RU" sz="1800" dirty="0" smtClean="0">
               <a:latin typeface="Calibri" pitchFamily="34" charset="0"/>
             </a:endParaRPr>
           </a:p>
           <a:p>
-            <a:endParaRPr lang="ru-RU" sz="1800" dirty="0" smtClean="0">
-              <a:latin typeface="Calibri" pitchFamily="34" charset="0"/>
-            </a:endParaRPr>
-          </a:p>
-          <a:p>
             <a:r>
               <a:rPr lang="en-US" sz="1800" dirty="0" smtClean="0">
                 <a:latin typeface="Calibri" pitchFamily="34" charset="0"/>
@@ -2907,88 +2815,61 @@
               <a:rPr lang="ru-RU" sz="1800" dirty="0" smtClean="0">
                 <a:latin typeface="Calibri" pitchFamily="34" charset="0"/>
               </a:rPr>
-              <a:t>подх</a:t>
+              <a:t>подходит для реализации следующего</a:t>
+            </a:r>
+            <a:r>
+              <a:rPr lang="en-US" sz="1800" dirty="0" smtClean="0">
+                <a:latin typeface="Calibri" pitchFamily="34" charset="0"/>
+              </a:rPr>
+              <a:t>: </a:t>
+            </a:r>
+          </a:p>
+          <a:p>
+            <a:pPr marL="900000" fontAlgn="base"/>
+            <a:r>
+              <a:rPr lang="en-US" sz="1800" dirty="0" smtClean="0">
+                <a:latin typeface="Calibri" pitchFamily="34" charset="0"/>
+              </a:rPr>
+              <a:t> </a:t>
             </a:r>
             <a:r>
               <a:rPr lang="ru-RU" sz="1800" dirty="0" smtClean="0">
                 <a:latin typeface="Calibri" pitchFamily="34" charset="0"/>
               </a:rPr>
-              <a:t>о</a:t>
+              <a:t>Быстрый обмен данными для </a:t>
+            </a:r>
+            <a:r>
+              <a:rPr lang="ru-RU" sz="1800" dirty="0" err="1" smtClean="0">
+                <a:latin typeface="Calibri" pitchFamily="34" charset="0"/>
+              </a:rPr>
+              <a:t>онлайн</a:t>
             </a:r>
             <a:r>
               <a:rPr lang="ru-RU" sz="1800" dirty="0" smtClean="0">
                 <a:latin typeface="Calibri" pitchFamily="34" charset="0"/>
               </a:rPr>
-              <a:t>дит для реализации следующего</a:t>
-            </a:r>
+              <a:t> игр, чатов и пр.;</a:t>
+            </a:r>
+          </a:p>
+          <a:p>
+            <a:pPr marL="900000" fontAlgn="base"/>
             <a:r>
               <a:rPr lang="en-US" sz="1800" dirty="0" smtClean="0">
                 <a:latin typeface="Calibri" pitchFamily="34" charset="0"/>
               </a:rPr>
-              <a:t>: </a:t>
-            </a:r>
-          </a:p>
-          <a:p>
-            <a:pPr marL="900000" fontAlgn="base"/>
-            <a:r>
-              <a:rPr lang="en-US" sz="1800" dirty="0" smtClean="0">
-                <a:latin typeface="Calibri" pitchFamily="34" charset="0"/>
-              </a:rPr>
               <a:t> </a:t>
             </a:r>
             <a:r>
+              <a:rPr lang="ru-RU" sz="1800" dirty="0" err="1" smtClean="0">
+                <a:latin typeface="Calibri" pitchFamily="34" charset="0"/>
+              </a:rPr>
+              <a:t>Веб-приложения</a:t>
+            </a:r>
+            <a:r>
               <a:rPr lang="ru-RU" sz="1800" dirty="0" smtClean="0">
                 <a:latin typeface="Calibri" pitchFamily="34" charset="0"/>
               </a:rPr>
-              <a:t>Быстрый обмен данными для </a:t>
-            </a:r>
-            <a:r>
-              <a:rPr lang="ru-RU" sz="1800" dirty="0" err="1" smtClean="0">
-                <a:latin typeface="Calibri" pitchFamily="34" charset="0"/>
-              </a:rPr>
-              <a:t>онлайн</a:t>
-            </a:r>
-            <a:r>
-              <a:rPr lang="ru-RU" sz="1800" dirty="0" smtClean="0">
-                <a:latin typeface="Calibri" pitchFamily="34" charset="0"/>
-              </a:rPr>
-              <a:t> игр, чатов и пр</a:t>
-            </a:r>
-            <a:r>
-              <a:rPr lang="ru-RU" sz="1800" dirty="0" smtClean="0">
-                <a:latin typeface="Calibri" pitchFamily="34" charset="0"/>
-              </a:rPr>
-              <a:t>.;</a:t>
-            </a:r>
-            <a:endParaRPr lang="ru-RU" sz="1800" dirty="0" smtClean="0">
-              <a:latin typeface="Calibri" pitchFamily="34" charset="0"/>
-            </a:endParaRPr>
-          </a:p>
-          <a:p>
-            <a:pPr marL="900000" fontAlgn="base"/>
-            <a:r>
-              <a:rPr lang="en-US" sz="1800" dirty="0" smtClean="0">
-                <a:latin typeface="Calibri" pitchFamily="34" charset="0"/>
-              </a:rPr>
-              <a:t> </a:t>
-            </a:r>
-            <a:r>
-              <a:rPr lang="ru-RU" sz="1800" dirty="0" err="1" smtClean="0">
-                <a:latin typeface="Calibri" pitchFamily="34" charset="0"/>
-              </a:rPr>
-              <a:t>Веб-приложения</a:t>
-            </a:r>
-            <a:r>
-              <a:rPr lang="ru-RU" sz="1800" dirty="0" smtClean="0">
-                <a:latin typeface="Calibri" pitchFamily="34" charset="0"/>
-              </a:rPr>
-              <a:t> с интенсивным обменом данными, требовательные к скорости обмена и </a:t>
-            </a:r>
-            <a:r>
-              <a:rPr lang="ru-RU" sz="1800" dirty="0" smtClean="0">
-                <a:latin typeface="Calibri" pitchFamily="34" charset="0"/>
-              </a:rPr>
-              <a:t>каналу;</a:t>
+              <a:t> с интенсивным обменом данными, требовательные к скорости обмена и каналу;</a:t>
             </a:r>
           </a:p>
           <a:p>
@@ -3232,19 +3113,7 @@
               <a:rPr lang="en-US" dirty="0" smtClean="0">
                 <a:latin typeface="Calibri" pitchFamily="34" charset="0"/>
               </a:rPr>
-              <a:t>Node htt</a:t>
-            </a:r>
-            <a:r>
-              <a:rPr lang="en-US" dirty="0" smtClean="0">
-                <a:latin typeface="Calibri" pitchFamily="34" charset="0"/>
-              </a:rPr>
-              <a:t>p Server</a:t>
-            </a:r>
-            <a:r>
-              <a:rPr lang="en-US" dirty="0" smtClean="0">
-                <a:latin typeface="Calibri" pitchFamily="34" charset="0"/>
-              </a:rPr>
-              <a:t>: </a:t>
+              <a:t>Node http Server: </a:t>
             </a:r>
           </a:p>
           <a:p>
@@ -3364,13 +3233,7 @@
               <a:rPr lang="en-US" dirty="0" smtClean="0">
                 <a:latin typeface="Calibri" pitchFamily="34" charset="0"/>
               </a:rPr>
-              <a:t>E</a:t>
-            </a:r>
-            <a:r>
-              <a:rPr lang="en-US" dirty="0" smtClean="0">
-                <a:latin typeface="Calibri" pitchFamily="34" charset="0"/>
-              </a:rPr>
-              <a:t>xpress: </a:t>
+              <a:t>Express: </a:t>
             </a:r>
           </a:p>
           <a:p>
@@ -3396,9 +3259,6 @@
               </a:rPr>
               <a:t> app = require('express')(); </a:t>
             </a:r>
-            <a:endParaRPr lang="en-US" dirty="0" smtClean="0">
-              <a:latin typeface="Calibri" pitchFamily="34" charset="0"/>
-            </a:endParaRPr>
           </a:p>
           <a:p>
             <a:r>
@@ -3411,43 +3271,31 @@
               <a:rPr lang="en-US" dirty="0" smtClean="0">
                 <a:latin typeface="Calibri" pitchFamily="34" charset="0"/>
               </a:rPr>
+              <a:t> server = require('http').Server(app); </a:t>
+            </a:r>
+            <a:r>
+              <a:rPr lang="en-US" dirty="0" err="1" smtClean="0">
+                <a:latin typeface="Calibri" pitchFamily="34" charset="0"/>
+              </a:rPr>
+              <a:t>var</a:t>
+            </a:r>
+            <a:r>
+              <a:rPr lang="en-US" dirty="0" smtClean="0">
+                <a:latin typeface="Calibri" pitchFamily="34" charset="0"/>
+              </a:rPr>
               <a:t> </a:t>
             </a:r>
             <a:r>
+              <a:rPr lang="en-US" dirty="0" err="1" smtClean="0">
+                <a:latin typeface="Calibri" pitchFamily="34" charset="0"/>
+              </a:rPr>
+              <a:t>io</a:t>
+            </a:r>
+            <a:r>
               <a:rPr lang="en-US" dirty="0" smtClean="0">
                 <a:latin typeface="Calibri" pitchFamily="34" charset="0"/>
               </a:rPr>
-              <a:t>server = require('http').Server(app); </a:t>
-            </a:r>
-            <a:r>
-              <a:rPr lang="en-US" dirty="0" err="1" smtClean="0">
-                <a:latin typeface="Calibri" pitchFamily="34" charset="0"/>
-              </a:rPr>
-              <a:t>var</a:t>
-            </a:r>
-            <a:r>
-              <a:rPr lang="en-US" dirty="0" smtClean="0">
-                <a:latin typeface="Calibri" pitchFamily="34" charset="0"/>
-              </a:rPr>
-              <a:t> </a:t>
-            </a:r>
-            <a:r>
-              <a:rPr lang="en-US" dirty="0" err="1" smtClean="0">
-                <a:latin typeface="Calibri" pitchFamily="34" charset="0"/>
-              </a:rPr>
-              <a:t>io</a:t>
-            </a:r>
-            <a:r>
-              <a:rPr lang="en-US" dirty="0" smtClean="0">
-                <a:latin typeface="Calibri" pitchFamily="34" charset="0"/>
-              </a:rPr>
-              <a:t> = require('socket.io')(server);</a:t>
-            </a:r>
-            <a:r>
-              <a:rPr lang="en-US" dirty="0" smtClean="0">
-                <a:latin typeface="Calibri" pitchFamily="34" charset="0"/>
-              </a:rPr>
-              <a:t> </a:t>
+              <a:t> = require('socket.io')(server); </a:t>
             </a:r>
             <a:endParaRPr lang="uk-UA" dirty="0">
               <a:latin typeface="Calibri" pitchFamily="34" charset="0"/>
@@ -3546,98 +3394,68 @@
               <a:rPr lang="en-US" dirty="0" smtClean="0">
                 <a:latin typeface="Calibri" pitchFamily="34" charset="0"/>
               </a:rPr>
-              <a:t>('connection', function (socket) </a:t>
-            </a:r>
+              <a:t>('connection', function (socket) {</a:t>
+            </a:r>
+          </a:p>
+          <a:p>
             <a:r>
               <a:rPr lang="en-US" dirty="0" smtClean="0">
                 <a:latin typeface="Calibri" pitchFamily="34" charset="0"/>
               </a:rPr>
-              <a:t>{</a:t>
-            </a:r>
-          </a:p>
-          <a:p>
+              <a:t>    </a:t>
+            </a:r>
+            <a:r>
+              <a:rPr lang="en-US" dirty="0" err="1" smtClean="0">
+                <a:latin typeface="Calibri" pitchFamily="34" charset="0"/>
+              </a:rPr>
+              <a:t>socket</a:t>
+            </a:r>
+            <a:r>
+              <a:rPr lang="en-US" b="1" dirty="0" err="1" smtClean="0">
+                <a:latin typeface="Calibri" pitchFamily="34" charset="0"/>
+              </a:rPr>
+              <a:t>.emit</a:t>
+            </a:r>
             <a:r>
               <a:rPr lang="en-US" dirty="0" smtClean="0">
                 <a:latin typeface="Calibri" pitchFamily="34" charset="0"/>
               </a:rPr>
+              <a:t>('news', { hello: 'world' }); </a:t>
+            </a:r>
+          </a:p>
+          <a:p>
+            <a:r>
+              <a:rPr lang="en-US" dirty="0" smtClean="0">
+                <a:latin typeface="Calibri" pitchFamily="34" charset="0"/>
+              </a:rPr>
               <a:t>    </a:t>
             </a:r>
             <a:r>
               <a:rPr lang="en-US" dirty="0" err="1" smtClean="0">
                 <a:latin typeface="Calibri" pitchFamily="34" charset="0"/>
               </a:rPr>
-              <a:t>socket</a:t>
+              <a:t>socket.</a:t>
             </a:r>
             <a:r>
               <a:rPr lang="en-US" b="1" dirty="0" err="1" smtClean="0">
                 <a:latin typeface="Calibri" pitchFamily="34" charset="0"/>
               </a:rPr>
-              <a:t>.emit</a:t>
+              <a:t>on</a:t>
             </a:r>
             <a:r>
               <a:rPr lang="en-US" dirty="0" smtClean="0">
                 <a:latin typeface="Calibri" pitchFamily="34" charset="0"/>
               </a:rPr>
-              <a:t>('news', { hello: 'world' }); </a:t>
-            </a:r>
-            <a:endParaRPr lang="en-US" dirty="0" smtClean="0">
-              <a:latin typeface="Calibri" pitchFamily="34" charset="0"/>
-            </a:endParaRPr>
+              <a:t>('my other event', function (data) {</a:t>
+            </a:r>
           </a:p>
           <a:p>
             <a:r>
               <a:rPr lang="en-US" dirty="0" smtClean="0">
                 <a:latin typeface="Calibri" pitchFamily="34" charset="0"/>
               </a:rPr>
-              <a:t> </a:t>
-            </a:r>
-            <a:r>
-              <a:rPr lang="en-US" dirty="0" smtClean="0">
-                <a:latin typeface="Calibri" pitchFamily="34" charset="0"/>
-              </a:rPr>
-              <a:t>   </a:t>
-            </a:r>
-            <a:r>
-              <a:rPr lang="en-US" dirty="0" err="1" smtClean="0">
-                <a:latin typeface="Calibri" pitchFamily="34" charset="0"/>
-              </a:rPr>
-              <a:t>socket.</a:t>
-            </a:r>
-            <a:r>
-              <a:rPr lang="en-US" b="1" dirty="0" err="1" smtClean="0">
-                <a:latin typeface="Calibri" pitchFamily="34" charset="0"/>
-              </a:rPr>
-              <a:t>on</a:t>
-            </a:r>
-            <a:r>
-              <a:rPr lang="en-US" dirty="0" smtClean="0">
-                <a:latin typeface="Calibri" pitchFamily="34" charset="0"/>
-              </a:rPr>
-              <a:t>('my other event', function (data) </a:t>
-            </a:r>
-            <a:r>
-              <a:rPr lang="en-US" dirty="0" smtClean="0">
-                <a:latin typeface="Calibri" pitchFamily="34" charset="0"/>
-              </a:rPr>
-              <a:t>{</a:t>
-            </a:r>
-          </a:p>
-          <a:p>
-            <a:r>
-              <a:rPr lang="en-US" dirty="0" smtClean="0">
-                <a:latin typeface="Calibri" pitchFamily="34" charset="0"/>
-              </a:rPr>
-              <a:t>                 console.log(data</a:t>
-            </a:r>
-            <a:r>
-              <a:rPr lang="en-US" dirty="0" smtClean="0">
-                <a:latin typeface="Calibri" pitchFamily="34" charset="0"/>
-              </a:rPr>
-              <a:t>); </a:t>
-            </a:r>
-            <a:endParaRPr lang="en-US" dirty="0" smtClean="0">
-              <a:latin typeface="Calibri" pitchFamily="34" charset="0"/>
-            </a:endParaRPr>
+              <a:t>                 console.log(data); </a:t>
+            </a:r>
           </a:p>
           <a:p>
             <a:r>
@@ -3823,11 +3641,7 @@
           <a:p>
             <a:r>
               <a:rPr lang="sv-SE" dirty="0" smtClean="0"/>
-              <a:t>  var socket = io.connect('http://localhost</a:t>
-            </a:r>
-            <a:r>
-              <a:rPr lang="sv-SE" dirty="0" smtClean="0"/>
-              <a:t>');</a:t>
+              <a:t>  var socket = io.connect('http://localhost');</a:t>
             </a:r>
           </a:p>
           <a:p>
@@ -3854,25 +3668,13 @@
           <a:p>
             <a:r>
               <a:rPr lang="en-US" dirty="0" smtClean="0"/>
-              <a:t>    </a:t>
-            </a:r>
+              <a:t>       console.log(data);</a:t>
+            </a:r>
+          </a:p>
+          <a:p>
             <a:r>
               <a:rPr lang="en-US" dirty="0" smtClean="0"/>
-              <a:t>   console.log(data</a:t>
-            </a:r>
-            <a:r>
-              <a:rPr lang="en-US" dirty="0" smtClean="0"/>
-              <a:t>);</a:t>
-            </a:r>
-          </a:p>
-          <a:p>
-            <a:r>
-              <a:rPr lang="en-US" dirty="0" smtClean="0"/>
-              <a:t>   </a:t>
-            </a:r>
-            <a:r>
-              <a:rPr lang="en-US" dirty="0" smtClean="0"/>
-              <a:t>    </a:t>
+              <a:t>       </a:t>
             </a:r>
             <a:r>
               <a:rPr lang="en-US" dirty="0" err="1" smtClean="0"/>
@@ -3896,7 +3698,6 @@
               <a:rPr lang="uk-UA" dirty="0" smtClean="0"/>
               <a:t>});</a:t>
             </a:r>
-            <a:endParaRPr lang="uk-UA" dirty="0" smtClean="0"/>
           </a:p>
           <a:p>
             <a:r>
